--- a/Actualizacion de datos/SIMULADOR DE DIAGRAMAS FASORIALES PARA MÁQUINAS SÍNCRONAS.pptx
+++ b/Actualizacion de datos/SIMULADOR DE DIAGRAMAS FASORIALES PARA MÁQUINAS SÍNCRONAS.pptx
@@ -266,7 +266,7 @@
           <a:p>
             <a:fld id="{05B97484-461B-4934-A0B5-A6BDBAD31B8A}" type="datetimeFigureOut">
               <a:rPr lang="es-CO" smtClean="0"/>
-              <a:t>11/10/2016</a:t>
+              <a:t>27/01/2017</a:t>
             </a:fld>
             <a:endParaRPr lang="es-CO"/>
           </a:p>
@@ -436,7 +436,7 @@
           <a:p>
             <a:fld id="{05B97484-461B-4934-A0B5-A6BDBAD31B8A}" type="datetimeFigureOut">
               <a:rPr lang="es-CO" smtClean="0"/>
-              <a:t>11/10/2016</a:t>
+              <a:t>27/01/2017</a:t>
             </a:fld>
             <a:endParaRPr lang="es-CO"/>
           </a:p>
@@ -616,7 +616,7 @@
           <a:p>
             <a:fld id="{05B97484-461B-4934-A0B5-A6BDBAD31B8A}" type="datetimeFigureOut">
               <a:rPr lang="es-CO" smtClean="0"/>
-              <a:t>11/10/2016</a:t>
+              <a:t>27/01/2017</a:t>
             </a:fld>
             <a:endParaRPr lang="es-CO"/>
           </a:p>
@@ -786,7 +786,7 @@
           <a:p>
             <a:fld id="{05B97484-461B-4934-A0B5-A6BDBAD31B8A}" type="datetimeFigureOut">
               <a:rPr lang="es-CO" smtClean="0"/>
-              <a:t>11/10/2016</a:t>
+              <a:t>27/01/2017</a:t>
             </a:fld>
             <a:endParaRPr lang="es-CO"/>
           </a:p>
@@ -1032,7 +1032,7 @@
           <a:p>
             <a:fld id="{05B97484-461B-4934-A0B5-A6BDBAD31B8A}" type="datetimeFigureOut">
               <a:rPr lang="es-CO" smtClean="0"/>
-              <a:t>11/10/2016</a:t>
+              <a:t>27/01/2017</a:t>
             </a:fld>
             <a:endParaRPr lang="es-CO"/>
           </a:p>
@@ -1264,7 +1264,7 @@
           <a:p>
             <a:fld id="{05B97484-461B-4934-A0B5-A6BDBAD31B8A}" type="datetimeFigureOut">
               <a:rPr lang="es-CO" smtClean="0"/>
-              <a:t>11/10/2016</a:t>
+              <a:t>27/01/2017</a:t>
             </a:fld>
             <a:endParaRPr lang="es-CO"/>
           </a:p>
@@ -1631,7 +1631,7 @@
           <a:p>
             <a:fld id="{05B97484-461B-4934-A0B5-A6BDBAD31B8A}" type="datetimeFigureOut">
               <a:rPr lang="es-CO" smtClean="0"/>
-              <a:t>11/10/2016</a:t>
+              <a:t>27/01/2017</a:t>
             </a:fld>
             <a:endParaRPr lang="es-CO"/>
           </a:p>
@@ -1749,7 +1749,7 @@
           <a:p>
             <a:fld id="{05B97484-461B-4934-A0B5-A6BDBAD31B8A}" type="datetimeFigureOut">
               <a:rPr lang="es-CO" smtClean="0"/>
-              <a:t>11/10/2016</a:t>
+              <a:t>27/01/2017</a:t>
             </a:fld>
             <a:endParaRPr lang="es-CO"/>
           </a:p>
@@ -1844,7 +1844,7 @@
           <a:p>
             <a:fld id="{05B97484-461B-4934-A0B5-A6BDBAD31B8A}" type="datetimeFigureOut">
               <a:rPr lang="es-CO" smtClean="0"/>
-              <a:t>11/10/2016</a:t>
+              <a:t>27/01/2017</a:t>
             </a:fld>
             <a:endParaRPr lang="es-CO"/>
           </a:p>
@@ -2121,7 +2121,7 @@
           <a:p>
             <a:fld id="{05B97484-461B-4934-A0B5-A6BDBAD31B8A}" type="datetimeFigureOut">
               <a:rPr lang="es-CO" smtClean="0"/>
-              <a:t>11/10/2016</a:t>
+              <a:t>27/01/2017</a:t>
             </a:fld>
             <a:endParaRPr lang="es-CO"/>
           </a:p>
@@ -2374,7 +2374,7 @@
           <a:p>
             <a:fld id="{05B97484-461B-4934-A0B5-A6BDBAD31B8A}" type="datetimeFigureOut">
               <a:rPr lang="es-CO" smtClean="0"/>
-              <a:t>11/10/2016</a:t>
+              <a:t>27/01/2017</a:t>
             </a:fld>
             <a:endParaRPr lang="es-CO"/>
           </a:p>
@@ -2587,7 +2587,7 @@
           <a:p>
             <a:fld id="{05B97484-461B-4934-A0B5-A6BDBAD31B8A}" type="datetimeFigureOut">
               <a:rPr lang="es-CO" smtClean="0"/>
-              <a:t>11/10/2016</a:t>
+              <a:t>27/01/2017</a:t>
             </a:fld>
             <a:endParaRPr lang="es-CO"/>
           </a:p>
@@ -3777,8 +3777,8 @@
           </a:p>
         </p:txBody>
       </p:sp>
-      <mc:AlternateContent xmlns:mc="http://schemas.openxmlformats.org/markup-compatibility/2006" xmlns:a14="http://schemas.microsoft.com/office/drawing/2010/main">
-        <mc:Choice Requires="a14">
+      <mc:AlternateContent xmlns:mc="http://schemas.openxmlformats.org/markup-compatibility/2006">
+        <mc:Choice xmlns:a14="http://schemas.microsoft.com/office/drawing/2010/main" Requires="a14">
           <p:sp>
             <p:nvSpPr>
               <p:cNvPr id="3" name="Marcador de contenido 2"/>
@@ -3985,25 +3985,15 @@
                         </m:sSub>
                       </m:num>
                       <m:den>
-                        <m:rad>
-                          <m:radPr>
-                            <m:degHide m:val="on"/>
-                            <m:ctrlPr>
-                              <a:rPr lang="es-CO" b="0" i="1" smtClean="0">
-                                <a:latin typeface="Cambria Math" panose="02040503050406030204" pitchFamily="18" charset="0"/>
-                              </a:rPr>
-                            </m:ctrlPr>
-                          </m:radPr>
-                          <m:deg/>
-                          <m:e>
-                            <m:r>
-                              <a:rPr lang="es-CO" b="0" i="1" smtClean="0">
-                                <a:latin typeface="Cambria Math" panose="02040503050406030204" pitchFamily="18" charset="0"/>
-                              </a:rPr>
-                              <m:t>3</m:t>
-                            </m:r>
-                          </m:e>
-                        </m:rad>
+                        <m:r>
+                          <a:rPr lang="es-CO" b="0" i="1" smtClean="0">
+                            <a:solidFill>
+                              <a:srgbClr val="FF0000"/>
+                            </a:solidFill>
+                            <a:latin typeface="Cambria Math" panose="02040503050406030204" pitchFamily="18" charset="0"/>
+                          </a:rPr>
+                          <m:t>3</m:t>
+                        </m:r>
                         <m:sSub>
                           <m:sSubPr>
                             <m:ctrlPr>
@@ -4023,9 +4013,12 @@
                           <m:sub>
                             <m:r>
                               <a:rPr lang="es-CO" b="0" i="1" smtClean="0">
-                                <a:latin typeface="Cambria Math" panose="02040503050406030204" pitchFamily="18" charset="0"/>
-                              </a:rPr>
-                              <m:t>𝑐𝑎𝑟𝑔𝑎</m:t>
+                                <a:solidFill>
+                                  <a:srgbClr val="FF0000"/>
+                                </a:solidFill>
+                                <a:latin typeface="Cambria Math" panose="02040503050406030204" pitchFamily="18" charset="0"/>
+                              </a:rPr>
+                              <m:t>𝑓</m:t>
                             </m:r>
                           </m:sub>
                         </m:sSub>
@@ -4149,7 +4142,7 @@
             </p:txBody>
           </p:sp>
         </mc:Choice>
-        <mc:Fallback xmlns="">
+        <mc:Fallback>
           <p:sp>
             <p:nvSpPr>
               <p:cNvPr id="3" name="Marcador de contenido 2"/>
@@ -4183,6 +4176,104 @@
           </p:sp>
         </mc:Fallback>
       </mc:AlternateContent>
+      <p:sp>
+        <p:nvSpPr>
+          <p:cNvPr id="4" name="Llamada ovalada 3"/>
+          <p:cNvSpPr/>
+          <p:nvPr/>
+        </p:nvSpPr>
+        <p:spPr>
+          <a:xfrm>
+            <a:off x="6558643" y="4001294"/>
+            <a:ext cx="2556328" cy="2247900"/>
+          </a:xfrm>
+          <a:prstGeom prst="wedgeEllipseCallout">
+            <a:avLst>
+              <a:gd name="adj1" fmla="val -163932"/>
+              <a:gd name="adj2" fmla="val -70591"/>
+            </a:avLst>
+          </a:prstGeom>
+          <a:solidFill>
+            <a:srgbClr val="92D050"/>
+          </a:solidFill>
+          <a:ln>
+            <a:solidFill>
+              <a:srgbClr val="92D050"/>
+            </a:solidFill>
+          </a:ln>
+        </p:spPr>
+        <p:style>
+          <a:lnRef idx="2">
+            <a:schemeClr val="accent1">
+              <a:shade val="50000"/>
+            </a:schemeClr>
+          </a:lnRef>
+          <a:fillRef idx="1">
+            <a:schemeClr val="accent1"/>
+          </a:fillRef>
+          <a:effectRef idx="0">
+            <a:schemeClr val="accent1"/>
+          </a:effectRef>
+          <a:fontRef idx="minor">
+            <a:schemeClr val="lt1"/>
+          </a:fontRef>
+        </p:style>
+        <p:txBody>
+          <a:bodyPr rtlCol="0" anchor="ctr"/>
+          <a:lstStyle/>
+          <a:p>
+            <a:pPr algn="ctr"/>
+            <a:r>
+              <a:rPr lang="es-CO" dirty="0" smtClean="0">
+                <a:solidFill>
+                  <a:schemeClr val="tx1"/>
+                </a:solidFill>
+              </a:rPr>
+              <a:t>Cambio !</a:t>
+            </a:r>
+          </a:p>
+          <a:p>
+            <a:pPr algn="ctr"/>
+            <a:r>
+              <a:rPr lang="es-CO" dirty="0" smtClean="0">
+                <a:solidFill>
+                  <a:schemeClr val="tx1"/>
+                </a:solidFill>
+              </a:rPr>
+              <a:t>Este término cambió de raíz(3)*</a:t>
+            </a:r>
+            <a:r>
+              <a:rPr lang="es-CO" dirty="0" err="1" smtClean="0">
+                <a:solidFill>
+                  <a:schemeClr val="tx1"/>
+                </a:solidFill>
+              </a:rPr>
+              <a:t>Vcarga</a:t>
+            </a:r>
+            <a:r>
+              <a:rPr lang="es-CO" dirty="0" smtClean="0">
+                <a:solidFill>
+                  <a:schemeClr val="tx1"/>
+                </a:solidFill>
+              </a:rPr>
+              <a:t> a 3*</a:t>
+            </a:r>
+            <a:r>
+              <a:rPr lang="es-CO" dirty="0" err="1" smtClean="0">
+                <a:solidFill>
+                  <a:schemeClr val="tx1"/>
+                </a:solidFill>
+              </a:rPr>
+              <a:t>Vf</a:t>
+            </a:r>
+            <a:endParaRPr lang="es-CO" dirty="0">
+              <a:solidFill>
+                <a:schemeClr val="tx1"/>
+              </a:solidFill>
+            </a:endParaRPr>
+          </a:p>
+        </p:txBody>
+      </p:sp>
     </p:spTree>
     <p:extLst>
       <p:ext uri="{BB962C8B-B14F-4D97-AF65-F5344CB8AC3E}">
@@ -4251,8 +4342,8 @@
           </a:p>
         </p:txBody>
       </p:sp>
-      <mc:AlternateContent xmlns:mc="http://schemas.openxmlformats.org/markup-compatibility/2006">
-        <mc:Choice xmlns:a14="http://schemas.microsoft.com/office/drawing/2010/main" Requires="a14">
+      <mc:AlternateContent xmlns:mc="http://schemas.openxmlformats.org/markup-compatibility/2006" xmlns:a14="http://schemas.microsoft.com/office/drawing/2010/main">
+        <mc:Choice Requires="a14">
           <p:sp>
             <p:nvSpPr>
               <p:cNvPr id="3" name="Marcador de contenido 2"/>
@@ -5088,7 +5179,7 @@
             </p:txBody>
           </p:sp>
         </mc:Choice>
-        <mc:Fallback>
+        <mc:Fallback xmlns="">
           <p:sp>
             <p:nvSpPr>
               <p:cNvPr id="3" name="Marcador de contenido 2"/>
@@ -5244,8 +5335,8 @@
           </a:p>
         </p:txBody>
       </p:sp>
-      <mc:AlternateContent xmlns:mc="http://schemas.openxmlformats.org/markup-compatibility/2006" xmlns:a14="http://schemas.microsoft.com/office/drawing/2010/main">
-        <mc:Choice Requires="a14">
+      <mc:AlternateContent xmlns:mc="http://schemas.openxmlformats.org/markup-compatibility/2006">
+        <mc:Choice xmlns:a14="http://schemas.microsoft.com/office/drawing/2010/main" Requires="a14">
           <p:sp>
             <p:nvSpPr>
               <p:cNvPr id="3" name="Marcador de contenido 2"/>
@@ -5259,7 +5350,7 @@
             <p:spPr/>
             <p:txBody>
               <a:bodyPr>
-                <a:normAutofit/>
+                <a:normAutofit lnSpcReduction="10000"/>
               </a:bodyPr>
               <a:lstStyle/>
               <a:p>
@@ -6319,25 +6410,15 @@
                         </m:rad>
                       </m:num>
                       <m:den>
-                        <m:rad>
-                          <m:radPr>
-                            <m:degHide m:val="on"/>
-                            <m:ctrlPr>
-                              <a:rPr lang="es-CO" b="0" i="1" smtClean="0">
-                                <a:latin typeface="Cambria Math" panose="02040503050406030204" pitchFamily="18" charset="0"/>
-                              </a:rPr>
-                            </m:ctrlPr>
-                          </m:radPr>
-                          <m:deg/>
-                          <m:e>
-                            <m:r>
-                              <a:rPr lang="es-CO" b="0" i="1" smtClean="0">
-                                <a:latin typeface="Cambria Math" panose="02040503050406030204" pitchFamily="18" charset="0"/>
-                              </a:rPr>
-                              <m:t>3</m:t>
-                            </m:r>
-                          </m:e>
-                        </m:rad>
+                        <m:r>
+                          <a:rPr lang="es-CO" b="0" i="1" smtClean="0">
+                            <a:solidFill>
+                              <a:srgbClr val="FF0000"/>
+                            </a:solidFill>
+                            <a:latin typeface="Cambria Math" panose="02040503050406030204" pitchFamily="18" charset="0"/>
+                          </a:rPr>
+                          <m:t>3</m:t>
+                        </m:r>
                         <m:sSub>
                           <m:sSubPr>
                             <m:ctrlPr>
@@ -6357,9 +6438,12 @@
                           <m:sub>
                             <m:r>
                               <a:rPr lang="es-CO" b="0" i="1" smtClean="0">
-                                <a:latin typeface="Cambria Math" panose="02040503050406030204" pitchFamily="18" charset="0"/>
-                              </a:rPr>
-                              <m:t>𝑛𝑜𝑚</m:t>
+                                <a:solidFill>
+                                  <a:srgbClr val="FF0000"/>
+                                </a:solidFill>
+                                <a:latin typeface="Cambria Math" panose="02040503050406030204" pitchFamily="18" charset="0"/>
+                              </a:rPr>
+                              <m:t>𝑓</m:t>
                             </m:r>
                           </m:sub>
                         </m:sSub>
@@ -6415,6 +6499,110 @@
                         </m:ctrlPr>
                       </m:funcPr>
                       <m:fName>
+                        <m:f>
+                          <m:fPr>
+                            <m:ctrlPr>
+                              <a:rPr lang="es-CO" b="0" i="1" smtClean="0">
+                                <a:solidFill>
+                                  <a:srgbClr val="FF0000"/>
+                                </a:solidFill>
+                                <a:latin typeface="Cambria Math" panose="02040503050406030204" pitchFamily="18" charset="0"/>
+                                <a:ea typeface="Cambria Math" panose="02040503050406030204" pitchFamily="18" charset="0"/>
+                                <a:sym typeface="Wingdings" panose="05000000000000000000" pitchFamily="2" charset="2"/>
+                              </a:rPr>
+                            </m:ctrlPr>
+                          </m:fPr>
+                          <m:num>
+                            <m:sSub>
+                              <m:sSubPr>
+                                <m:ctrlPr>
+                                  <a:rPr lang="es-CO" i="1">
+                                    <a:solidFill>
+                                      <a:srgbClr val="FF0000"/>
+                                    </a:solidFill>
+                                    <a:latin typeface="Cambria Math" panose="02040503050406030204" pitchFamily="18" charset="0"/>
+                                  </a:rPr>
+                                </m:ctrlPr>
+                              </m:sSubPr>
+                              <m:e>
+                                <m:r>
+                                  <a:rPr lang="es-CO" i="1">
+                                    <a:solidFill>
+                                      <a:srgbClr val="FF0000"/>
+                                    </a:solidFill>
+                                    <a:latin typeface="Cambria Math" panose="02040503050406030204" pitchFamily="18" charset="0"/>
+                                  </a:rPr>
+                                  <m:t>𝑄</m:t>
+                                </m:r>
+                              </m:e>
+                              <m:sub>
+                                <m:r>
+                                  <a:rPr lang="es-CO" i="1">
+                                    <a:solidFill>
+                                      <a:srgbClr val="FF0000"/>
+                                    </a:solidFill>
+                                    <a:latin typeface="Cambria Math" panose="02040503050406030204" pitchFamily="18" charset="0"/>
+                                  </a:rPr>
+                                  <m:t>𝑔𝑒𝑛</m:t>
+                                </m:r>
+                              </m:sub>
+                            </m:sSub>
+                          </m:num>
+                          <m:den>
+                            <m:d>
+                              <m:dPr>
+                                <m:begChr m:val="|"/>
+                                <m:endChr m:val="|"/>
+                                <m:ctrlPr>
+                                  <a:rPr lang="es-CO" b="0" i="1" smtClean="0">
+                                    <a:solidFill>
+                                      <a:srgbClr val="FF0000"/>
+                                    </a:solidFill>
+                                    <a:latin typeface="Cambria Math" panose="02040503050406030204" pitchFamily="18" charset="0"/>
+                                    <a:ea typeface="Cambria Math" panose="02040503050406030204" pitchFamily="18" charset="0"/>
+                                    <a:sym typeface="Wingdings" panose="05000000000000000000" pitchFamily="2" charset="2"/>
+                                  </a:rPr>
+                                </m:ctrlPr>
+                              </m:dPr>
+                              <m:e>
+                                <m:sSub>
+                                  <m:sSubPr>
+                                    <m:ctrlPr>
+                                      <a:rPr lang="es-CO" i="1">
+                                        <a:solidFill>
+                                          <a:srgbClr val="FF0000"/>
+                                        </a:solidFill>
+                                        <a:latin typeface="Cambria Math" panose="02040503050406030204" pitchFamily="18" charset="0"/>
+                                      </a:rPr>
+                                    </m:ctrlPr>
+                                  </m:sSubPr>
+                                  <m:e>
+                                    <m:r>
+                                      <a:rPr lang="es-CO" i="1">
+                                        <a:solidFill>
+                                          <a:srgbClr val="FF0000"/>
+                                        </a:solidFill>
+                                        <a:latin typeface="Cambria Math" panose="02040503050406030204" pitchFamily="18" charset="0"/>
+                                      </a:rPr>
+                                      <m:t>𝑄</m:t>
+                                    </m:r>
+                                  </m:e>
+                                  <m:sub>
+                                    <m:r>
+                                      <a:rPr lang="es-CO" i="1">
+                                        <a:solidFill>
+                                          <a:srgbClr val="FF0000"/>
+                                        </a:solidFill>
+                                        <a:latin typeface="Cambria Math" panose="02040503050406030204" pitchFamily="18" charset="0"/>
+                                      </a:rPr>
+                                      <m:t>𝑔𝑒𝑛</m:t>
+                                    </m:r>
+                                  </m:sub>
+                                </m:sSub>
+                              </m:e>
+                            </m:d>
+                          </m:den>
+                        </m:f>
                         <m:sSup>
                           <m:sSupPr>
                             <m:ctrlPr>
@@ -6511,7 +6699,7 @@
             </p:txBody>
           </p:sp>
         </mc:Choice>
-        <mc:Fallback xmlns="">
+        <mc:Fallback>
           <p:sp>
             <p:nvSpPr>
               <p:cNvPr id="3" name="Marcador de contenido 2"/>
@@ -6526,7 +6714,7 @@
               <a:blipFill rotWithShape="0">
                 <a:blip r:embed="rId2"/>
                 <a:stretch>
-                  <a:fillRect l="-1043" t="-2241" b="-280"/>
+                  <a:fillRect l="-1043" t="-3081"/>
                 </a:stretch>
               </a:blipFill>
             </p:spPr>
@@ -6545,6 +6733,210 @@
           </p:sp>
         </mc:Fallback>
       </mc:AlternateContent>
+      <p:sp>
+        <p:nvSpPr>
+          <p:cNvPr id="4" name="Llamada ovalada 3"/>
+          <p:cNvSpPr/>
+          <p:nvPr/>
+        </p:nvSpPr>
+        <p:spPr>
+          <a:xfrm>
+            <a:off x="9605737" y="1825625"/>
+            <a:ext cx="2556328" cy="2247900"/>
+          </a:xfrm>
+          <a:prstGeom prst="wedgeEllipseCallout">
+            <a:avLst>
+              <a:gd name="adj1" fmla="val -252506"/>
+              <a:gd name="adj2" fmla="val 95995"/>
+            </a:avLst>
+          </a:prstGeom>
+          <a:solidFill>
+            <a:srgbClr val="92D050"/>
+          </a:solidFill>
+          <a:ln>
+            <a:solidFill>
+              <a:srgbClr val="92D050"/>
+            </a:solidFill>
+          </a:ln>
+        </p:spPr>
+        <p:style>
+          <a:lnRef idx="2">
+            <a:schemeClr val="accent1">
+              <a:shade val="50000"/>
+            </a:schemeClr>
+          </a:lnRef>
+          <a:fillRef idx="1">
+            <a:schemeClr val="accent1"/>
+          </a:fillRef>
+          <a:effectRef idx="0">
+            <a:schemeClr val="accent1"/>
+          </a:effectRef>
+          <a:fontRef idx="minor">
+            <a:schemeClr val="lt1"/>
+          </a:fontRef>
+        </p:style>
+        <p:txBody>
+          <a:bodyPr rtlCol="0" anchor="ctr"/>
+          <a:lstStyle/>
+          <a:p>
+            <a:pPr algn="ctr"/>
+            <a:r>
+              <a:rPr lang="es-CO" dirty="0" smtClean="0">
+                <a:solidFill>
+                  <a:schemeClr val="tx1"/>
+                </a:solidFill>
+              </a:rPr>
+              <a:t>Cambio !</a:t>
+            </a:r>
+          </a:p>
+          <a:p>
+            <a:pPr algn="ctr"/>
+            <a:r>
+              <a:rPr lang="es-CO" dirty="0" smtClean="0">
+                <a:solidFill>
+                  <a:schemeClr val="tx1"/>
+                </a:solidFill>
+              </a:rPr>
+              <a:t>Este término cambió de raíz(3)*</a:t>
+            </a:r>
+            <a:r>
+              <a:rPr lang="es-CO" dirty="0" err="1" smtClean="0">
+                <a:solidFill>
+                  <a:schemeClr val="tx1"/>
+                </a:solidFill>
+              </a:rPr>
+              <a:t>Vnom</a:t>
+            </a:r>
+            <a:r>
+              <a:rPr lang="es-CO" dirty="0" smtClean="0">
+                <a:solidFill>
+                  <a:schemeClr val="tx1"/>
+                </a:solidFill>
+              </a:rPr>
+              <a:t> a 3*</a:t>
+            </a:r>
+            <a:r>
+              <a:rPr lang="es-CO" dirty="0" err="1" smtClean="0">
+                <a:solidFill>
+                  <a:schemeClr val="tx1"/>
+                </a:solidFill>
+              </a:rPr>
+              <a:t>Vf</a:t>
+            </a:r>
+            <a:endParaRPr lang="es-CO" dirty="0">
+              <a:solidFill>
+                <a:schemeClr val="tx1"/>
+              </a:solidFill>
+            </a:endParaRPr>
+          </a:p>
+        </p:txBody>
+      </p:sp>
+      <p:sp>
+        <p:nvSpPr>
+          <p:cNvPr id="6" name="Llamada ovalada 5"/>
+          <p:cNvSpPr/>
+          <p:nvPr/>
+        </p:nvSpPr>
+        <p:spPr>
+          <a:xfrm>
+            <a:off x="9605737" y="4430939"/>
+            <a:ext cx="2556328" cy="2247900"/>
+          </a:xfrm>
+          <a:prstGeom prst="wedgeEllipseCallout">
+            <a:avLst>
+              <a:gd name="adj1" fmla="val -273514"/>
+              <a:gd name="adj2" fmla="val 9474"/>
+            </a:avLst>
+          </a:prstGeom>
+          <a:solidFill>
+            <a:srgbClr val="92D050"/>
+          </a:solidFill>
+          <a:ln>
+            <a:solidFill>
+              <a:srgbClr val="92D050"/>
+            </a:solidFill>
+          </a:ln>
+        </p:spPr>
+        <p:style>
+          <a:lnRef idx="2">
+            <a:schemeClr val="accent1">
+              <a:shade val="50000"/>
+            </a:schemeClr>
+          </a:lnRef>
+          <a:fillRef idx="1">
+            <a:schemeClr val="accent1"/>
+          </a:fillRef>
+          <a:effectRef idx="0">
+            <a:schemeClr val="accent1"/>
+          </a:effectRef>
+          <a:fontRef idx="minor">
+            <a:schemeClr val="lt1"/>
+          </a:fontRef>
+        </p:style>
+        <p:txBody>
+          <a:bodyPr rtlCol="0" anchor="ctr"/>
+          <a:lstStyle/>
+          <a:p>
+            <a:pPr algn="ctr"/>
+            <a:r>
+              <a:rPr lang="es-CO" dirty="0" smtClean="0">
+                <a:solidFill>
+                  <a:schemeClr val="tx1"/>
+                </a:solidFill>
+              </a:rPr>
+              <a:t>Cambio </a:t>
+            </a:r>
+            <a:r>
+              <a:rPr lang="es-CO" dirty="0" smtClean="0">
+                <a:solidFill>
+                  <a:schemeClr val="tx1"/>
+                </a:solidFill>
+              </a:rPr>
+              <a:t>!</a:t>
+            </a:r>
+          </a:p>
+          <a:p>
+            <a:pPr algn="ctr"/>
+            <a:r>
+              <a:rPr lang="es-CO" dirty="0" smtClean="0">
+                <a:solidFill>
+                  <a:schemeClr val="tx1"/>
+                </a:solidFill>
+              </a:rPr>
+              <a:t>División de </a:t>
+            </a:r>
+            <a:r>
+              <a:rPr lang="es-CO" dirty="0" err="1" smtClean="0">
+                <a:solidFill>
+                  <a:schemeClr val="tx1"/>
+                </a:solidFill>
+              </a:rPr>
+              <a:t>Qgen</a:t>
+            </a:r>
+            <a:r>
+              <a:rPr lang="es-CO" dirty="0" smtClean="0">
+                <a:solidFill>
+                  <a:schemeClr val="tx1"/>
+                </a:solidFill>
+              </a:rPr>
+              <a:t> sobre el valor absoluto de </a:t>
+            </a:r>
+            <a:r>
+              <a:rPr lang="es-CO" dirty="0" err="1" smtClean="0">
+                <a:solidFill>
+                  <a:schemeClr val="tx1"/>
+                </a:solidFill>
+              </a:rPr>
+              <a:t>Qgen</a:t>
+            </a:r>
+            <a:endParaRPr lang="es-CO" dirty="0" smtClean="0">
+              <a:solidFill>
+                <a:schemeClr val="tx1"/>
+              </a:solidFill>
+            </a:endParaRPr>
+          </a:p>
+        </p:txBody>
+      </p:sp>
     </p:spTree>
     <p:extLst>
       <p:ext uri="{BB962C8B-B14F-4D97-AF65-F5344CB8AC3E}">
@@ -8859,8 +9251,8 @@
           </a:p>
         </p:txBody>
       </p:sp>
-      <mc:AlternateContent xmlns:mc="http://schemas.openxmlformats.org/markup-compatibility/2006">
-        <mc:Choice xmlns:a14="http://schemas.microsoft.com/office/drawing/2010/main" Requires="a14">
+      <mc:AlternateContent xmlns:mc="http://schemas.openxmlformats.org/markup-compatibility/2006" xmlns:a14="http://schemas.microsoft.com/office/drawing/2010/main">
+        <mc:Choice Requires="a14">
           <p:sp>
             <p:nvSpPr>
               <p:cNvPr id="3" name="Marcador de contenido 2"/>
@@ -9554,7 +9946,7 @@
             </p:txBody>
           </p:sp>
         </mc:Choice>
-        <mc:Fallback>
+        <mc:Fallback xmlns="">
           <p:sp>
             <p:nvSpPr>
               <p:cNvPr id="3" name="Marcador de contenido 2"/>
@@ -10067,8 +10459,8 @@
           </a:p>
         </p:txBody>
       </p:sp>
-      <mc:AlternateContent xmlns:mc="http://schemas.openxmlformats.org/markup-compatibility/2006" xmlns:a14="http://schemas.microsoft.com/office/drawing/2010/main">
-        <mc:Choice Requires="a14">
+      <mc:AlternateContent xmlns:mc="http://schemas.openxmlformats.org/markup-compatibility/2006">
+        <mc:Choice xmlns:a14="http://schemas.microsoft.com/office/drawing/2010/main" Requires="a14">
           <p:sp>
             <p:nvSpPr>
               <p:cNvPr id="3" name="Marcador de contenido 2"/>
@@ -10275,25 +10667,15 @@
                         </m:sSub>
                       </m:num>
                       <m:den>
-                        <m:rad>
-                          <m:radPr>
-                            <m:degHide m:val="on"/>
-                            <m:ctrlPr>
-                              <a:rPr lang="es-CO" b="0" i="1" smtClean="0">
-                                <a:latin typeface="Cambria Math" panose="02040503050406030204" pitchFamily="18" charset="0"/>
-                              </a:rPr>
-                            </m:ctrlPr>
-                          </m:radPr>
-                          <m:deg/>
-                          <m:e>
-                            <m:r>
-                              <a:rPr lang="es-CO" b="0" i="1" smtClean="0">
-                                <a:latin typeface="Cambria Math" panose="02040503050406030204" pitchFamily="18" charset="0"/>
-                              </a:rPr>
-                              <m:t>3</m:t>
-                            </m:r>
-                          </m:e>
-                        </m:rad>
+                        <m:r>
+                          <a:rPr lang="es-CO" b="0" i="1" smtClean="0">
+                            <a:solidFill>
+                              <a:srgbClr val="FF0000"/>
+                            </a:solidFill>
+                            <a:latin typeface="Cambria Math" panose="02040503050406030204" pitchFamily="18" charset="0"/>
+                          </a:rPr>
+                          <m:t>3</m:t>
+                        </m:r>
                         <m:sSub>
                           <m:sSubPr>
                             <m:ctrlPr>
@@ -10313,9 +10695,12 @@
                           <m:sub>
                             <m:r>
                               <a:rPr lang="es-CO" b="0" i="1" smtClean="0">
-                                <a:latin typeface="Cambria Math" panose="02040503050406030204" pitchFamily="18" charset="0"/>
-                              </a:rPr>
-                              <m:t>𝑐𝑎𝑟𝑔𝑎</m:t>
+                                <a:solidFill>
+                                  <a:srgbClr val="FF0000"/>
+                                </a:solidFill>
+                                <a:latin typeface="Cambria Math" panose="02040503050406030204" pitchFamily="18" charset="0"/>
+                              </a:rPr>
+                              <m:t>𝑓</m:t>
                             </m:r>
                           </m:sub>
                         </m:sSub>
@@ -10439,7 +10824,7 @@
             </p:txBody>
           </p:sp>
         </mc:Choice>
-        <mc:Fallback xmlns="">
+        <mc:Fallback>
           <p:sp>
             <p:nvSpPr>
               <p:cNvPr id="3" name="Marcador de contenido 2"/>
@@ -10473,6 +10858,104 @@
           </p:sp>
         </mc:Fallback>
       </mc:AlternateContent>
+      <p:sp>
+        <p:nvSpPr>
+          <p:cNvPr id="4" name="Llamada ovalada 3"/>
+          <p:cNvSpPr/>
+          <p:nvPr/>
+        </p:nvSpPr>
+        <p:spPr>
+          <a:xfrm>
+            <a:off x="6558643" y="4001294"/>
+            <a:ext cx="2556328" cy="2247900"/>
+          </a:xfrm>
+          <a:prstGeom prst="wedgeEllipseCallout">
+            <a:avLst>
+              <a:gd name="adj1" fmla="val -144060"/>
+              <a:gd name="adj2" fmla="val -68654"/>
+            </a:avLst>
+          </a:prstGeom>
+          <a:solidFill>
+            <a:srgbClr val="92D050"/>
+          </a:solidFill>
+          <a:ln>
+            <a:solidFill>
+              <a:srgbClr val="92D050"/>
+            </a:solidFill>
+          </a:ln>
+        </p:spPr>
+        <p:style>
+          <a:lnRef idx="2">
+            <a:schemeClr val="accent1">
+              <a:shade val="50000"/>
+            </a:schemeClr>
+          </a:lnRef>
+          <a:fillRef idx="1">
+            <a:schemeClr val="accent1"/>
+          </a:fillRef>
+          <a:effectRef idx="0">
+            <a:schemeClr val="accent1"/>
+          </a:effectRef>
+          <a:fontRef idx="minor">
+            <a:schemeClr val="lt1"/>
+          </a:fontRef>
+        </p:style>
+        <p:txBody>
+          <a:bodyPr rtlCol="0" anchor="ctr"/>
+          <a:lstStyle/>
+          <a:p>
+            <a:pPr algn="ctr"/>
+            <a:r>
+              <a:rPr lang="es-CO" dirty="0" smtClean="0">
+                <a:solidFill>
+                  <a:schemeClr val="tx1"/>
+                </a:solidFill>
+              </a:rPr>
+              <a:t>Cambio !</a:t>
+            </a:r>
+          </a:p>
+          <a:p>
+            <a:pPr algn="ctr"/>
+            <a:r>
+              <a:rPr lang="es-CO" dirty="0" smtClean="0">
+                <a:solidFill>
+                  <a:schemeClr val="tx1"/>
+                </a:solidFill>
+              </a:rPr>
+              <a:t>Este término cambió de raíz(3)*</a:t>
+            </a:r>
+            <a:r>
+              <a:rPr lang="es-CO" dirty="0" err="1" smtClean="0">
+                <a:solidFill>
+                  <a:schemeClr val="tx1"/>
+                </a:solidFill>
+              </a:rPr>
+              <a:t>Vcarga</a:t>
+            </a:r>
+            <a:r>
+              <a:rPr lang="es-CO" dirty="0" smtClean="0">
+                <a:solidFill>
+                  <a:schemeClr val="tx1"/>
+                </a:solidFill>
+              </a:rPr>
+              <a:t> a 3*</a:t>
+            </a:r>
+            <a:r>
+              <a:rPr lang="es-CO" dirty="0" err="1" smtClean="0">
+                <a:solidFill>
+                  <a:schemeClr val="tx1"/>
+                </a:solidFill>
+              </a:rPr>
+              <a:t>Vf</a:t>
+            </a:r>
+            <a:endParaRPr lang="es-CO" dirty="0">
+              <a:solidFill>
+                <a:schemeClr val="tx1"/>
+              </a:solidFill>
+            </a:endParaRPr>
+          </a:p>
+        </p:txBody>
+      </p:sp>
     </p:spTree>
     <p:extLst>
       <p:ext uri="{BB962C8B-B14F-4D97-AF65-F5344CB8AC3E}">
@@ -10533,8 +11016,8 @@
           </a:p>
         </p:txBody>
       </p:sp>
-      <mc:AlternateContent xmlns:mc="http://schemas.openxmlformats.org/markup-compatibility/2006">
-        <mc:Choice xmlns:a14="http://schemas.microsoft.com/office/drawing/2010/main" Requires="a14">
+      <mc:AlternateContent xmlns:mc="http://schemas.openxmlformats.org/markup-compatibility/2006" xmlns:a14="http://schemas.microsoft.com/office/drawing/2010/main">
+        <mc:Choice Requires="a14">
           <p:sp>
             <p:nvSpPr>
               <p:cNvPr id="3" name="Marcador de contenido 2"/>
@@ -11321,7 +11804,7 @@
             </p:txBody>
           </p:sp>
         </mc:Choice>
-        <mc:Fallback>
+        <mc:Fallback xmlns="">
           <p:sp>
             <p:nvSpPr>
               <p:cNvPr id="3" name="Marcador de contenido 2"/>
@@ -11469,8 +11952,8 @@
           </a:p>
         </p:txBody>
       </p:sp>
-      <mc:AlternateContent xmlns:mc="http://schemas.openxmlformats.org/markup-compatibility/2006" xmlns:a14="http://schemas.microsoft.com/office/drawing/2010/main">
-        <mc:Choice Requires="a14">
+      <mc:AlternateContent xmlns:mc="http://schemas.openxmlformats.org/markup-compatibility/2006">
+        <mc:Choice xmlns:a14="http://schemas.microsoft.com/office/drawing/2010/main" Requires="a14">
           <p:sp>
             <p:nvSpPr>
               <p:cNvPr id="3" name="Marcador de contenido 2"/>
@@ -11913,25 +12396,15 @@
                         </m:rad>
                       </m:num>
                       <m:den>
-                        <m:rad>
-                          <m:radPr>
-                            <m:degHide m:val="on"/>
-                            <m:ctrlPr>
-                              <a:rPr lang="es-CO" b="0" i="1" smtClean="0">
-                                <a:latin typeface="Cambria Math" panose="02040503050406030204" pitchFamily="18" charset="0"/>
-                              </a:rPr>
-                            </m:ctrlPr>
-                          </m:radPr>
-                          <m:deg/>
-                          <m:e>
-                            <m:r>
-                              <a:rPr lang="es-CO" b="0" i="1" smtClean="0">
-                                <a:latin typeface="Cambria Math" panose="02040503050406030204" pitchFamily="18" charset="0"/>
-                              </a:rPr>
-                              <m:t>3</m:t>
-                            </m:r>
-                          </m:e>
-                        </m:rad>
+                        <m:r>
+                          <a:rPr lang="es-CO" b="0" i="1" smtClean="0">
+                            <a:solidFill>
+                              <a:srgbClr val="FF0000"/>
+                            </a:solidFill>
+                            <a:latin typeface="Cambria Math" panose="02040503050406030204" pitchFamily="18" charset="0"/>
+                          </a:rPr>
+                          <m:t>3</m:t>
+                        </m:r>
                         <m:sSub>
                           <m:sSubPr>
                             <m:ctrlPr>
@@ -11951,9 +12424,12 @@
                           <m:sub>
                             <m:r>
                               <a:rPr lang="es-CO" b="0" i="1" smtClean="0">
-                                <a:latin typeface="Cambria Math" panose="02040503050406030204" pitchFamily="18" charset="0"/>
-                              </a:rPr>
-                              <m:t>𝑇</m:t>
+                                <a:solidFill>
+                                  <a:srgbClr val="FF0000"/>
+                                </a:solidFill>
+                                <a:latin typeface="Cambria Math" panose="02040503050406030204" pitchFamily="18" charset="0"/>
+                              </a:rPr>
+                              <m:t>𝑓</m:t>
                             </m:r>
                           </m:sub>
                         </m:sSub>
@@ -12020,6 +12496,110 @@
                             </m:ctrlPr>
                           </m:sSupPr>
                           <m:e>
+                            <m:f>
+                              <m:fPr>
+                                <m:ctrlPr>
+                                  <a:rPr lang="es-CO" i="1">
+                                    <a:solidFill>
+                                      <a:srgbClr val="FF0000"/>
+                                    </a:solidFill>
+                                    <a:latin typeface="Cambria Math" panose="02040503050406030204" pitchFamily="18" charset="0"/>
+                                    <a:ea typeface="Cambria Math" panose="02040503050406030204" pitchFamily="18" charset="0"/>
+                                    <a:sym typeface="Wingdings" panose="05000000000000000000" pitchFamily="2" charset="2"/>
+                                  </a:rPr>
+                                </m:ctrlPr>
+                              </m:fPr>
+                              <m:num>
+                                <m:sSub>
+                                  <m:sSubPr>
+                                    <m:ctrlPr>
+                                      <a:rPr lang="es-CO" i="1">
+                                        <a:solidFill>
+                                          <a:srgbClr val="FF0000"/>
+                                        </a:solidFill>
+                                        <a:latin typeface="Cambria Math" panose="02040503050406030204" pitchFamily="18" charset="0"/>
+                                      </a:rPr>
+                                    </m:ctrlPr>
+                                  </m:sSubPr>
+                                  <m:e>
+                                    <m:r>
+                                      <a:rPr lang="es-CO" i="1">
+                                        <a:solidFill>
+                                          <a:srgbClr val="FF0000"/>
+                                        </a:solidFill>
+                                        <a:latin typeface="Cambria Math" panose="02040503050406030204" pitchFamily="18" charset="0"/>
+                                      </a:rPr>
+                                      <m:t>𝑄</m:t>
+                                    </m:r>
+                                  </m:e>
+                                  <m:sub>
+                                    <m:r>
+                                      <a:rPr lang="es-CO" i="1">
+                                        <a:solidFill>
+                                          <a:srgbClr val="FF0000"/>
+                                        </a:solidFill>
+                                        <a:latin typeface="Cambria Math" panose="02040503050406030204" pitchFamily="18" charset="0"/>
+                                      </a:rPr>
+                                      <m:t>𝑔𝑒𝑛</m:t>
+                                    </m:r>
+                                  </m:sub>
+                                </m:sSub>
+                              </m:num>
+                              <m:den>
+                                <m:d>
+                                  <m:dPr>
+                                    <m:begChr m:val="|"/>
+                                    <m:endChr m:val="|"/>
+                                    <m:ctrlPr>
+                                      <a:rPr lang="es-CO" i="1">
+                                        <a:solidFill>
+                                          <a:srgbClr val="FF0000"/>
+                                        </a:solidFill>
+                                        <a:latin typeface="Cambria Math" panose="02040503050406030204" pitchFamily="18" charset="0"/>
+                                        <a:ea typeface="Cambria Math" panose="02040503050406030204" pitchFamily="18" charset="0"/>
+                                        <a:sym typeface="Wingdings" panose="05000000000000000000" pitchFamily="2" charset="2"/>
+                                      </a:rPr>
+                                    </m:ctrlPr>
+                                  </m:dPr>
+                                  <m:e>
+                                    <m:sSub>
+                                      <m:sSubPr>
+                                        <m:ctrlPr>
+                                          <a:rPr lang="es-CO" i="1">
+                                            <a:solidFill>
+                                              <a:srgbClr val="FF0000"/>
+                                            </a:solidFill>
+                                            <a:latin typeface="Cambria Math" panose="02040503050406030204" pitchFamily="18" charset="0"/>
+                                          </a:rPr>
+                                        </m:ctrlPr>
+                                      </m:sSubPr>
+                                      <m:e>
+                                        <m:r>
+                                          <a:rPr lang="es-CO" i="1">
+                                            <a:solidFill>
+                                              <a:srgbClr val="FF0000"/>
+                                            </a:solidFill>
+                                            <a:latin typeface="Cambria Math" panose="02040503050406030204" pitchFamily="18" charset="0"/>
+                                          </a:rPr>
+                                          <m:t>𝑄</m:t>
+                                        </m:r>
+                                      </m:e>
+                                      <m:sub>
+                                        <m:r>
+                                          <a:rPr lang="es-CO" i="1">
+                                            <a:solidFill>
+                                              <a:srgbClr val="FF0000"/>
+                                            </a:solidFill>
+                                            <a:latin typeface="Cambria Math" panose="02040503050406030204" pitchFamily="18" charset="0"/>
+                                          </a:rPr>
+                                          <m:t>𝑔𝑒𝑛</m:t>
+                                        </m:r>
+                                      </m:sub>
+                                    </m:sSub>
+                                  </m:e>
+                                </m:d>
+                              </m:den>
+                            </m:f>
                             <m:r>
                               <m:rPr>
                                 <m:sty m:val="p"/>
@@ -12105,7 +12685,7 @@
             </p:txBody>
           </p:sp>
         </mc:Choice>
-        <mc:Fallback xmlns="">
+        <mc:Fallback>
           <p:sp>
             <p:nvSpPr>
               <p:cNvPr id="3" name="Marcador de contenido 2"/>
@@ -12139,6 +12719,194 @@
           </p:sp>
         </mc:Fallback>
       </mc:AlternateContent>
+      <p:sp>
+        <p:nvSpPr>
+          <p:cNvPr id="4" name="Llamada ovalada 3"/>
+          <p:cNvSpPr/>
+          <p:nvPr/>
+        </p:nvSpPr>
+        <p:spPr>
+          <a:xfrm>
+            <a:off x="9605737" y="1753394"/>
+            <a:ext cx="2556328" cy="2247900"/>
+          </a:xfrm>
+          <a:prstGeom prst="wedgeEllipseCallout">
+            <a:avLst>
+              <a:gd name="adj1" fmla="val -254209"/>
+              <a:gd name="adj2" fmla="val 63065"/>
+            </a:avLst>
+          </a:prstGeom>
+          <a:solidFill>
+            <a:srgbClr val="92D050"/>
+          </a:solidFill>
+          <a:ln>
+            <a:solidFill>
+              <a:srgbClr val="92D050"/>
+            </a:solidFill>
+          </a:ln>
+        </p:spPr>
+        <p:style>
+          <a:lnRef idx="2">
+            <a:schemeClr val="accent1">
+              <a:shade val="50000"/>
+            </a:schemeClr>
+          </a:lnRef>
+          <a:fillRef idx="1">
+            <a:schemeClr val="accent1"/>
+          </a:fillRef>
+          <a:effectRef idx="0">
+            <a:schemeClr val="accent1"/>
+          </a:effectRef>
+          <a:fontRef idx="minor">
+            <a:schemeClr val="lt1"/>
+          </a:fontRef>
+        </p:style>
+        <p:txBody>
+          <a:bodyPr rtlCol="0" anchor="ctr"/>
+          <a:lstStyle/>
+          <a:p>
+            <a:pPr algn="ctr"/>
+            <a:r>
+              <a:rPr lang="es-CO" dirty="0" smtClean="0">
+                <a:solidFill>
+                  <a:schemeClr val="tx1"/>
+                </a:solidFill>
+              </a:rPr>
+              <a:t>Cambio !</a:t>
+            </a:r>
+          </a:p>
+          <a:p>
+            <a:pPr algn="ctr"/>
+            <a:r>
+              <a:rPr lang="es-CO" dirty="0" smtClean="0">
+                <a:solidFill>
+                  <a:schemeClr val="tx1"/>
+                </a:solidFill>
+              </a:rPr>
+              <a:t>Este término cambió de raíz(3)*VT a 3*</a:t>
+            </a:r>
+            <a:r>
+              <a:rPr lang="es-CO" dirty="0" err="1" smtClean="0">
+                <a:solidFill>
+                  <a:schemeClr val="tx1"/>
+                </a:solidFill>
+              </a:rPr>
+              <a:t>Vf</a:t>
+            </a:r>
+            <a:endParaRPr lang="es-CO" dirty="0">
+              <a:solidFill>
+                <a:schemeClr val="tx1"/>
+              </a:solidFill>
+            </a:endParaRPr>
+          </a:p>
+        </p:txBody>
+      </p:sp>
+      <p:sp>
+        <p:nvSpPr>
+          <p:cNvPr id="5" name="Llamada ovalada 4"/>
+          <p:cNvSpPr/>
+          <p:nvPr/>
+        </p:nvSpPr>
+        <p:spPr>
+          <a:xfrm>
+            <a:off x="9605737" y="4430939"/>
+            <a:ext cx="2556328" cy="2247900"/>
+          </a:xfrm>
+          <a:prstGeom prst="wedgeEllipseCallout">
+            <a:avLst>
+              <a:gd name="adj1" fmla="val -277488"/>
+              <a:gd name="adj2" fmla="val -27976"/>
+            </a:avLst>
+          </a:prstGeom>
+          <a:solidFill>
+            <a:srgbClr val="92D050"/>
+          </a:solidFill>
+          <a:ln>
+            <a:solidFill>
+              <a:srgbClr val="92D050"/>
+            </a:solidFill>
+          </a:ln>
+        </p:spPr>
+        <p:style>
+          <a:lnRef idx="2">
+            <a:schemeClr val="accent1">
+              <a:shade val="50000"/>
+            </a:schemeClr>
+          </a:lnRef>
+          <a:fillRef idx="1">
+            <a:schemeClr val="accent1"/>
+          </a:fillRef>
+          <a:effectRef idx="0">
+            <a:schemeClr val="accent1"/>
+          </a:effectRef>
+          <a:fontRef idx="minor">
+            <a:schemeClr val="lt1"/>
+          </a:fontRef>
+        </p:style>
+        <p:txBody>
+          <a:bodyPr rtlCol="0" anchor="ctr"/>
+          <a:lstStyle/>
+          <a:p>
+            <a:pPr algn="ctr"/>
+            <a:r>
+              <a:rPr lang="es-CO" dirty="0" smtClean="0">
+                <a:solidFill>
+                  <a:schemeClr val="tx1"/>
+                </a:solidFill>
+              </a:rPr>
+              <a:t>Cambio </a:t>
+            </a:r>
+            <a:r>
+              <a:rPr lang="es-CO" dirty="0" smtClean="0">
+                <a:solidFill>
+                  <a:schemeClr val="tx1"/>
+                </a:solidFill>
+              </a:rPr>
+              <a:t>!</a:t>
+            </a:r>
+          </a:p>
+          <a:p>
+            <a:pPr algn="ctr"/>
+            <a:r>
+              <a:rPr lang="es-CO" dirty="0" smtClean="0">
+                <a:solidFill>
+                  <a:schemeClr val="tx1"/>
+                </a:solidFill>
+              </a:rPr>
+              <a:t>División de </a:t>
+            </a:r>
+            <a:r>
+              <a:rPr lang="es-CO" dirty="0" err="1" smtClean="0">
+                <a:solidFill>
+                  <a:schemeClr val="tx1"/>
+                </a:solidFill>
+              </a:rPr>
+              <a:t>Qgen</a:t>
+            </a:r>
+            <a:r>
+              <a:rPr lang="es-CO" dirty="0" smtClean="0">
+                <a:solidFill>
+                  <a:schemeClr val="tx1"/>
+                </a:solidFill>
+              </a:rPr>
+              <a:t> sobre el valor absoluto de </a:t>
+            </a:r>
+            <a:r>
+              <a:rPr lang="es-CO" dirty="0" err="1" smtClean="0">
+                <a:solidFill>
+                  <a:schemeClr val="tx1"/>
+                </a:solidFill>
+              </a:rPr>
+              <a:t>Qgen</a:t>
+            </a:r>
+            <a:endParaRPr lang="es-CO" dirty="0" smtClean="0">
+              <a:solidFill>
+                <a:schemeClr val="tx1"/>
+              </a:solidFill>
+            </a:endParaRPr>
+          </a:p>
+        </p:txBody>
+      </p:sp>
     </p:spTree>
     <p:extLst>
       <p:ext uri="{BB962C8B-B14F-4D97-AF65-F5344CB8AC3E}">
